--- a/.slides/topics/07_explore_data.pptx
+++ b/.slides/topics/07_explore_data.pptx
@@ -16,7 +16,10 @@
     <p:sldId id="264" r:id="rId10"/>
     <p:sldId id="265" r:id="rId11"/>
     <p:sldId id="266" r:id="rId12"/>
-    <p:sldId id="267" r:id="rId13"/>
+    <p:sldId id="272" r:id="rId13"/>
+    <p:sldId id="267" r:id="rId14"/>
+    <p:sldId id="273" r:id="rId15"/>
+    <p:sldId id="271" r:id="rId16"/>
   </p:sldIdLst>
   <p:sldSz cx="12192000" cy="6858000"/>
   <p:notesSz cx="6858000" cy="9144000"/>
@@ -3482,6 +3485,53 @@
           </a:p>
         </p:txBody>
       </p:sp>
+      <p:pic>
+        <p:nvPicPr>
+          <p:cNvPr id="1026" name="Picture 2">
+            <a:extLst>
+              <a:ext uri="{FF2B5EF4-FFF2-40B4-BE49-F238E27FC236}">
+                <a16:creationId xmlns:a16="http://schemas.microsoft.com/office/drawing/2014/main" id="{38D3819B-789C-A98F-1CEE-532C2B4C771D}"/>
+              </a:ext>
+            </a:extLst>
+          </p:cNvPr>
+          <p:cNvPicPr>
+            <a:picLocks noChangeAspect="1" noChangeArrowheads="1"/>
+          </p:cNvPicPr>
+          <p:nvPr/>
+        </p:nvPicPr>
+        <p:blipFill>
+          <a:blip r:embed="rId3">
+            <a:extLst>
+              <a:ext uri="{28A0092B-C50C-407E-A947-70E740481C1C}">
+                <a14:useLocalDpi xmlns:a14="http://schemas.microsoft.com/office/drawing/2010/main" val="0"/>
+              </a:ext>
+            </a:extLst>
+          </a:blip>
+          <a:srcRect/>
+          <a:stretch>
+            <a:fillRect/>
+          </a:stretch>
+        </p:blipFill>
+        <p:spPr bwMode="auto">
+          <a:xfrm>
+            <a:off x="9369077" y="275417"/>
+            <a:ext cx="2427666" cy="3240000"/>
+          </a:xfrm>
+          <a:prstGeom prst="rect">
+            <a:avLst/>
+          </a:prstGeom>
+          <a:noFill/>
+          <a:extLst>
+            <a:ext uri="{909E8E84-426E-40DD-AFC4-6F175D3DCCD1}">
+              <a14:hiddenFill xmlns:a14="http://schemas.microsoft.com/office/drawing/2010/main">
+                <a:solidFill>
+                  <a:srgbClr val="FFFFFF"/>
+                </a:solidFill>
+              </a14:hiddenFill>
+            </a:ext>
+          </a:extLst>
+        </p:spPr>
+      </p:pic>
     </p:spTree>
   </p:cSld>
   <p:clrMapOvr>
@@ -3560,25 +3610,37 @@
           <a:p>
             <a:pPr lvl="0"/>
             <a:r>
+              <a:rPr dirty="0"/>
               <a:t>Analysis: generates evidence, fits specific question</a:t>
             </a:r>
           </a:p>
           <a:p>
             <a:pPr lvl="0"/>
             <a:r>
+              <a:rPr dirty="0"/>
               <a:t>EDA: informal exploration and assumptions testing</a:t>
             </a:r>
           </a:p>
           <a:p>
             <a:pPr lvl="0"/>
             <a:r>
+              <a:rPr dirty="0"/>
               <a:t>Analysis designed for others, EDA usually private</a:t>
             </a:r>
           </a:p>
           <a:p>
             <a:pPr lvl="0"/>
             <a:r>
-              <a:t>Both essential parts of complete data analysis process</a:t>
+              <a:rPr lang="en-GB" dirty="0"/>
+              <a:t>E</a:t>
+            </a:r>
+            <a:r>
+              <a:rPr dirty="0" err="1"/>
+              <a:t>ssential</a:t>
+            </a:r>
+            <a:r>
+              <a:rPr dirty="0"/>
+              <a:t> parts of complete data analysis process</a:t>
             </a:r>
           </a:p>
         </p:txBody>
@@ -3709,6 +3771,83 @@
           <a:chExt cx="0" cy="0"/>
         </a:xfrm>
       </p:grpSpPr>
+      <p:pic>
+        <p:nvPicPr>
+          <p:cNvPr id="5124" name="Picture 4">
+            <a:extLst>
+              <a:ext uri="{FF2B5EF4-FFF2-40B4-BE49-F238E27FC236}">
+                <a16:creationId xmlns:a16="http://schemas.microsoft.com/office/drawing/2014/main" id="{BD9B8104-0306-353D-B82B-F8624BB620A5}"/>
+              </a:ext>
+            </a:extLst>
+          </p:cNvPr>
+          <p:cNvPicPr>
+            <a:picLocks noChangeAspect="1" noChangeArrowheads="1"/>
+          </p:cNvPicPr>
+          <p:nvPr/>
+        </p:nvPicPr>
+        <p:blipFill>
+          <a:blip r:embed="rId2">
+            <a:extLst>
+              <a:ext uri="{28A0092B-C50C-407E-A947-70E740481C1C}">
+                <a14:useLocalDpi xmlns:a14="http://schemas.microsoft.com/office/drawing/2010/main" val="0"/>
+              </a:ext>
+            </a:extLst>
+          </a:blip>
+          <a:srcRect/>
+          <a:stretch>
+            <a:fillRect/>
+          </a:stretch>
+        </p:blipFill>
+        <p:spPr bwMode="auto">
+          <a:xfrm>
+            <a:off x="666750" y="47625"/>
+            <a:ext cx="10858500" cy="6762750"/>
+          </a:xfrm>
+          <a:prstGeom prst="rect">
+            <a:avLst/>
+          </a:prstGeom>
+          <a:noFill/>
+          <a:extLst>
+            <a:ext uri="{909E8E84-426E-40DD-AFC4-6F175D3DCCD1}">
+              <a14:hiddenFill xmlns:a14="http://schemas.microsoft.com/office/drawing/2010/main">
+                <a:solidFill>
+                  <a:srgbClr val="FFFFFF"/>
+                </a:solidFill>
+              </a14:hiddenFill>
+            </a:ext>
+          </a:extLst>
+        </p:spPr>
+      </p:pic>
+    </p:spTree>
+    <p:extLst>
+      <p:ext uri="{BB962C8B-B14F-4D97-AF65-F5344CB8AC3E}">
+        <p14:creationId xmlns:p14="http://schemas.microsoft.com/office/powerpoint/2010/main" val="1504204563"/>
+      </p:ext>
+    </p:extLst>
+  </p:cSld>
+  <p:clrMapOvr>
+    <a:masterClrMapping/>
+  </p:clrMapOvr>
+</p:sld>
+</file>
+
+<file path=ppt/slides/slide13.xml><?xml version="1.0" encoding="utf-8"?>
+<p:sld xmlns:a="http://schemas.openxmlformats.org/drawingml/2006/main" xmlns:r="http://schemas.openxmlformats.org/officeDocument/2006/relationships" xmlns:p="http://schemas.openxmlformats.org/presentationml/2006/main">
+  <p:cSld>
+    <p:spTree>
+      <p:nvGrpSpPr>
+        <p:cNvPr id="1" name=""/>
+        <p:cNvGrpSpPr/>
+        <p:nvPr/>
+      </p:nvGrpSpPr>
+      <p:grpSpPr>
+        <a:xfrm>
+          <a:off x="0" y="0"/>
+          <a:ext cx="0" cy="0"/>
+          <a:chOff x="0" y="0"/>
+          <a:chExt cx="0" cy="0"/>
+        </a:xfrm>
+      </p:grpSpPr>
       <p:sp>
         <p:nvSpPr>
           <p:cNvPr id="2" name="Title 1">
@@ -3785,6 +3924,174 @@
           </a:p>
         </p:txBody>
       </p:sp>
+    </p:spTree>
+  </p:cSld>
+  <p:clrMapOvr>
+    <a:masterClrMapping/>
+  </p:clrMapOvr>
+</p:sld>
+</file>
+
+<file path=ppt/slides/slide14.xml><?xml version="1.0" encoding="utf-8"?>
+<p:sld xmlns:a="http://schemas.openxmlformats.org/drawingml/2006/main" xmlns:r="http://schemas.openxmlformats.org/officeDocument/2006/relationships" xmlns:p="http://schemas.openxmlformats.org/presentationml/2006/main">
+  <p:cSld>
+    <p:spTree>
+      <p:nvGrpSpPr>
+        <p:cNvPr id="1" name=""/>
+        <p:cNvGrpSpPr/>
+        <p:nvPr/>
+      </p:nvGrpSpPr>
+      <p:grpSpPr>
+        <a:xfrm>
+          <a:off x="0" y="0"/>
+          <a:ext cx="0" cy="0"/>
+          <a:chOff x="0" y="0"/>
+          <a:chExt cx="0" cy="0"/>
+        </a:xfrm>
+      </p:grpSpPr>
+      <p:pic>
+        <p:nvPicPr>
+          <p:cNvPr id="6146" name="Picture 2">
+            <a:extLst>
+              <a:ext uri="{FF2B5EF4-FFF2-40B4-BE49-F238E27FC236}">
+                <a16:creationId xmlns:a16="http://schemas.microsoft.com/office/drawing/2014/main" id="{8E9B70CB-9A12-3B3C-D5E4-EB2380E7C4A6}"/>
+              </a:ext>
+            </a:extLst>
+          </p:cNvPr>
+          <p:cNvPicPr>
+            <a:picLocks noChangeAspect="1" noChangeArrowheads="1"/>
+          </p:cNvPicPr>
+          <p:nvPr/>
+        </p:nvPicPr>
+        <p:blipFill>
+          <a:blip r:embed="rId2">
+            <a:extLst>
+              <a:ext uri="{28A0092B-C50C-407E-A947-70E740481C1C}">
+                <a14:useLocalDpi xmlns:a14="http://schemas.microsoft.com/office/drawing/2010/main" val="0"/>
+              </a:ext>
+            </a:extLst>
+          </a:blip>
+          <a:srcRect/>
+          <a:stretch>
+            <a:fillRect/>
+          </a:stretch>
+        </p:blipFill>
+        <p:spPr bwMode="auto">
+          <a:xfrm>
+            <a:off x="0" y="9525"/>
+            <a:ext cx="12192000" cy="6838950"/>
+          </a:xfrm>
+          <a:prstGeom prst="rect">
+            <a:avLst/>
+          </a:prstGeom>
+          <a:noFill/>
+          <a:extLst>
+            <a:ext uri="{909E8E84-426E-40DD-AFC4-6F175D3DCCD1}">
+              <a14:hiddenFill xmlns:a14="http://schemas.microsoft.com/office/drawing/2010/main">
+                <a:solidFill>
+                  <a:srgbClr val="FFFFFF"/>
+                </a:solidFill>
+              </a14:hiddenFill>
+            </a:ext>
+          </a:extLst>
+        </p:spPr>
+      </p:pic>
+    </p:spTree>
+    <p:extLst>
+      <p:ext uri="{BB962C8B-B14F-4D97-AF65-F5344CB8AC3E}">
+        <p14:creationId xmlns:p14="http://schemas.microsoft.com/office/powerpoint/2010/main" val="3125096840"/>
+      </p:ext>
+    </p:extLst>
+  </p:cSld>
+  <p:clrMapOvr>
+    <a:masterClrMapping/>
+  </p:clrMapOvr>
+</p:sld>
+</file>
+
+<file path=ppt/slides/slide15.xml><?xml version="1.0" encoding="utf-8"?>
+<p:sld xmlns:a="http://schemas.openxmlformats.org/drawingml/2006/main" xmlns:r="http://schemas.openxmlformats.org/officeDocument/2006/relationships" xmlns:p="http://schemas.openxmlformats.org/presentationml/2006/main">
+  <p:cSld>
+    <p:spTree>
+      <p:nvGrpSpPr>
+        <p:cNvPr id="1" name=""/>
+        <p:cNvGrpSpPr/>
+        <p:nvPr/>
+      </p:nvGrpSpPr>
+      <p:grpSpPr>
+        <a:xfrm>
+          <a:off x="0" y="0"/>
+          <a:ext cx="0" cy="0"/>
+          <a:chOff x="0" y="0"/>
+          <a:chExt cx="0" cy="0"/>
+        </a:xfrm>
+      </p:grpSpPr>
+      <p:sp>
+        <p:nvSpPr>
+          <p:cNvPr id="2" name="Title 1">
+            <a:extLst>
+              <a:ext uri="{FF2B5EF4-FFF2-40B4-BE49-F238E27FC236}">
+                <a16:creationId xmlns:a16="http://schemas.microsoft.com/office/drawing/2014/main" id="{8525C2D7-E417-70EE-D336-6C2729628304}"/>
+              </a:ext>
+            </a:extLst>
+          </p:cNvPr>
+          <p:cNvSpPr>
+            <a:spLocks noGrp="1"/>
+          </p:cNvSpPr>
+          <p:nvPr>
+            <p:ph type="title"/>
+          </p:nvPr>
+        </p:nvSpPr>
+        <p:spPr/>
+        <p:txBody>
+          <a:bodyPr/>
+          <a:lstStyle/>
+          <a:p>
+            <a:pPr marL="0" lvl="0" indent="0">
+              <a:buNone/>
+            </a:pPr>
+            <a:r>
+              <a:t>Practice Exercises</a:t>
+            </a:r>
+          </a:p>
+        </p:txBody>
+      </p:sp>
+      <p:pic>
+        <p:nvPicPr>
+          <p:cNvPr id="6" name="Picture 5" descr="A cat sitting on a computer&#10;&#10;AI-generated content may be incorrect.">
+            <a:extLst>
+              <a:ext uri="{FF2B5EF4-FFF2-40B4-BE49-F238E27FC236}">
+                <a16:creationId xmlns:a16="http://schemas.microsoft.com/office/drawing/2014/main" id="{D2E0F507-A649-BEC3-934D-D62F9A7982A2}"/>
+              </a:ext>
+            </a:extLst>
+          </p:cNvPr>
+          <p:cNvPicPr>
+            <a:picLocks noChangeAspect="1"/>
+          </p:cNvPicPr>
+          <p:nvPr/>
+        </p:nvPicPr>
+        <p:blipFill>
+          <a:blip r:embed="rId2">
+            <a:extLst>
+              <a:ext uri="{28A0092B-C50C-407E-A947-70E740481C1C}">
+                <a14:useLocalDpi xmlns:a14="http://schemas.microsoft.com/office/drawing/2010/main" val="0"/>
+              </a:ext>
+            </a:extLst>
+          </a:blip>
+          <a:stretch>
+            <a:fillRect/>
+          </a:stretch>
+        </p:blipFill>
+        <p:spPr>
+          <a:xfrm>
+            <a:off x="2154453" y="1417320"/>
+            <a:ext cx="7883093" cy="5255395"/>
+          </a:xfrm>
+          <a:prstGeom prst="rect">
+            <a:avLst/>
+          </a:prstGeom>
+        </p:spPr>
+      </p:pic>
     </p:spTree>
   </p:cSld>
   <p:clrMapOvr>
@@ -3964,24 +4271,28 @@
           <a:p>
             <a:pPr lvl="0"/>
             <a:r>
+              <a:rPr dirty="0"/>
               <a:t>Dataset often comes in imperfect state</a:t>
             </a:r>
           </a:p>
           <a:p>
             <a:pPr lvl="0"/>
             <a:r>
+              <a:rPr dirty="0"/>
               <a:t>First task is to “weigh the pig” - understand data</a:t>
             </a:r>
           </a:p>
           <a:p>
             <a:pPr lvl="0"/>
             <a:r>
+              <a:rPr dirty="0"/>
               <a:t>Order: Question, Explore, Analyze</a:t>
             </a:r>
           </a:p>
           <a:p>
             <a:pPr lvl="0"/>
             <a:r>
+              <a:rPr dirty="0"/>
               <a:t>Choose analysis prior to collecting first data point</a:t>
             </a:r>
           </a:p>
@@ -4088,6 +4399,53 @@
           </a:p>
         </p:txBody>
       </p:sp>
+      <p:pic>
+        <p:nvPicPr>
+          <p:cNvPr id="4" name="Picture 2">
+            <a:extLst>
+              <a:ext uri="{FF2B5EF4-FFF2-40B4-BE49-F238E27FC236}">
+                <a16:creationId xmlns:a16="http://schemas.microsoft.com/office/drawing/2014/main" id="{84F9CA18-ADF0-7AA5-F019-C56F73C060E8}"/>
+              </a:ext>
+            </a:extLst>
+          </p:cNvPr>
+          <p:cNvPicPr>
+            <a:picLocks noChangeAspect="1" noChangeArrowheads="1"/>
+          </p:cNvPicPr>
+          <p:nvPr/>
+        </p:nvPicPr>
+        <p:blipFill>
+          <a:blip r:embed="rId2">
+            <a:extLst>
+              <a:ext uri="{28A0092B-C50C-407E-A947-70E740481C1C}">
+                <a14:useLocalDpi xmlns:a14="http://schemas.microsoft.com/office/drawing/2010/main" val="0"/>
+              </a:ext>
+            </a:extLst>
+          </a:blip>
+          <a:srcRect/>
+          <a:stretch>
+            <a:fillRect/>
+          </a:stretch>
+        </p:blipFill>
+        <p:spPr bwMode="auto">
+          <a:xfrm>
+            <a:off x="10183529" y="236916"/>
+            <a:ext cx="1728718" cy="2307173"/>
+          </a:xfrm>
+          <a:prstGeom prst="rect">
+            <a:avLst/>
+          </a:prstGeom>
+          <a:noFill/>
+          <a:extLst>
+            <a:ext uri="{909E8E84-426E-40DD-AFC4-6F175D3DCCD1}">
+              <a14:hiddenFill xmlns:a14="http://schemas.microsoft.com/office/drawing/2010/main">
+                <a:solidFill>
+                  <a:srgbClr val="FFFFFF"/>
+                </a:solidFill>
+              </a14:hiddenFill>
+            </a:ext>
+          </a:extLst>
+        </p:spPr>
+      </p:pic>
     </p:spTree>
   </p:cSld>
   <p:clrMapOvr>
@@ -4492,6 +4850,53 @@
           </a:p>
         </p:txBody>
       </p:sp>
+      <p:pic>
+        <p:nvPicPr>
+          <p:cNvPr id="2050" name="Picture 2">
+            <a:extLst>
+              <a:ext uri="{FF2B5EF4-FFF2-40B4-BE49-F238E27FC236}">
+                <a16:creationId xmlns:a16="http://schemas.microsoft.com/office/drawing/2014/main" id="{D6CC18B6-95D5-B988-3FA1-9541F6A293A8}"/>
+              </a:ext>
+            </a:extLst>
+          </p:cNvPr>
+          <p:cNvPicPr>
+            <a:picLocks noChangeAspect="1" noChangeArrowheads="1"/>
+          </p:cNvPicPr>
+          <p:nvPr/>
+        </p:nvPicPr>
+        <p:blipFill>
+          <a:blip r:embed="rId2">
+            <a:extLst>
+              <a:ext uri="{28A0092B-C50C-407E-A947-70E740481C1C}">
+                <a14:useLocalDpi xmlns:a14="http://schemas.microsoft.com/office/drawing/2010/main" val="0"/>
+              </a:ext>
+            </a:extLst>
+          </a:blip>
+          <a:srcRect/>
+          <a:stretch>
+            <a:fillRect/>
+          </a:stretch>
+        </p:blipFill>
+        <p:spPr bwMode="auto">
+          <a:xfrm>
+            <a:off x="2247644" y="4001294"/>
+            <a:ext cx="7459234" cy="2409131"/>
+          </a:xfrm>
+          <a:prstGeom prst="rect">
+            <a:avLst/>
+          </a:prstGeom>
+          <a:noFill/>
+          <a:extLst>
+            <a:ext uri="{909E8E84-426E-40DD-AFC4-6F175D3DCCD1}">
+              <a14:hiddenFill xmlns:a14="http://schemas.microsoft.com/office/drawing/2010/main">
+                <a:solidFill>
+                  <a:srgbClr val="FFFFFF"/>
+                </a:solidFill>
+              </a14:hiddenFill>
+            </a:ext>
+          </a:extLst>
+        </p:spPr>
+      </p:pic>
     </p:spTree>
   </p:cSld>
   <p:clrMapOvr>
@@ -4593,6 +4998,53 @@
           </a:p>
         </p:txBody>
       </p:sp>
+      <p:pic>
+        <p:nvPicPr>
+          <p:cNvPr id="4098" name="Picture 2">
+            <a:extLst>
+              <a:ext uri="{FF2B5EF4-FFF2-40B4-BE49-F238E27FC236}">
+                <a16:creationId xmlns:a16="http://schemas.microsoft.com/office/drawing/2014/main" id="{398F15F4-D900-6579-16B6-F9F73D67411E}"/>
+              </a:ext>
+            </a:extLst>
+          </p:cNvPr>
+          <p:cNvPicPr>
+            <a:picLocks noChangeAspect="1" noChangeArrowheads="1"/>
+          </p:cNvPicPr>
+          <p:nvPr/>
+        </p:nvPicPr>
+        <p:blipFill>
+          <a:blip r:embed="rId2">
+            <a:extLst>
+              <a:ext uri="{28A0092B-C50C-407E-A947-70E740481C1C}">
+                <a14:useLocalDpi xmlns:a14="http://schemas.microsoft.com/office/drawing/2010/main" val="0"/>
+              </a:ext>
+            </a:extLst>
+          </a:blip>
+          <a:srcRect/>
+          <a:stretch>
+            <a:fillRect/>
+          </a:stretch>
+        </p:blipFill>
+        <p:spPr bwMode="auto">
+          <a:xfrm>
+            <a:off x="3488957" y="3994485"/>
+            <a:ext cx="4370005" cy="2626344"/>
+          </a:xfrm>
+          <a:prstGeom prst="rect">
+            <a:avLst/>
+          </a:prstGeom>
+          <a:noFill/>
+          <a:extLst>
+            <a:ext uri="{909E8E84-426E-40DD-AFC4-6F175D3DCCD1}">
+              <a14:hiddenFill xmlns:a14="http://schemas.microsoft.com/office/drawing/2010/main">
+                <a:solidFill>
+                  <a:srgbClr val="FFFFFF"/>
+                </a:solidFill>
+              </a14:hiddenFill>
+            </a:ext>
+          </a:extLst>
+        </p:spPr>
+      </p:pic>
     </p:spTree>
   </p:cSld>
   <p:clrMapOvr>
